--- a/2024-02-12/01_Überblick.pptx
+++ b/2024-02-12/01_Überblick.pptx
@@ -281,7 +281,7 @@
               <a:pPr>
                 <a:defRPr/>
               </a:pPr>
-              <a:t>09.02.2024</a:t>
+              <a:t>10.02.2024</a:t>
             </a:fld>
             <a:endParaRPr lang="de-AT"/>
           </a:p>
@@ -496,7 +496,7 @@
               <a:pPr>
                 <a:defRPr/>
               </a:pPr>
-              <a:t>09.02.2024</a:t>
+              <a:t>10.02.2024</a:t>
             </a:fld>
             <a:endParaRPr lang="de-AT"/>
           </a:p>
@@ -2197,6 +2197,22 @@
           </a:p>
           <a:p>
             <a:pPr lvl="1"/>
+            <a:r>
+              <a:rPr lang="de-AT" dirty="0" err="1"/>
+              <a:t>dreammachine-iot</a:t>
+            </a:r>
+            <a:r>
+              <a:rPr lang="de-AT" dirty="0"/>
+              <a:t>/</a:t>
+            </a:r>
+            <a:r>
+              <a:rPr lang="de-AT" dirty="0" err="1"/>
+              <a:t>smarthome</a:t>
+            </a:r>
+            <a:endParaRPr lang="de-AT" dirty="0"/>
+          </a:p>
+          <a:p>
+            <a:pPr lvl="1"/>
             <a:endParaRPr lang="de-AT" dirty="0"/>
           </a:p>
           <a:p>
@@ -2256,7 +2272,7 @@
               <a:rPr lang="de-AT" dirty="0">
                 <a:hlinkClick r:id="rId2"/>
               </a:rPr>
-              <a:t>http://192.168.0.11:8123</a:t>
+              <a:t>http://192.168.2.11:8123</a:t>
             </a:r>
             <a:r>
               <a:rPr lang="de-AT" dirty="0"/>
